--- a/screenShot/heatmapOfPathPlanners.pptx
+++ b/screenShot/heatmapOfPathPlanners.pptx
@@ -5,15 +5,16 @@
     <p:sldMasterId id="2147483648" r:id="rId1"/>
   </p:sldMasterIdLst>
   <p:notesMasterIdLst>
-    <p:notesMasterId r:id="rId6"/>
+    <p:notesMasterId r:id="rId7"/>
   </p:notesMasterIdLst>
   <p:handoutMasterIdLst>
-    <p:handoutMasterId r:id="rId7"/>
+    <p:handoutMasterId r:id="rId8"/>
   </p:handoutMasterIdLst>
   <p:sldIdLst>
     <p:sldId id="256" r:id="rId3"/>
     <p:sldId id="257" r:id="rId4"/>
     <p:sldId id="258" r:id="rId5"/>
+    <p:sldId id="259" r:id="rId6"/>
   </p:sldIdLst>
   <p:sldSz cx="12192635" cy="9359900"/>
   <p:notesSz cx="7103745" cy="10234295"/>
@@ -3524,7 +3525,7 @@
         </p:nvSpPr>
         <p:spPr>
           <a:xfrm>
-            <a:off x="2294255" y="4291965"/>
+            <a:off x="2294255" y="4299585"/>
             <a:ext cx="1778635" cy="368300"/>
           </a:xfrm>
           <a:prstGeom prst="rect">
@@ -5637,6 +5638,24 @@
           </a:p>
         </p:txBody>
       </p:sp>
+    </p:spTree>
+  </p:cSld>
+  <p:clrMapOvr>
+    <a:masterClrMapping/>
+  </p:clrMapOvr>
+</p:sld>
+</file>
+
+<file path=ppt/slides/slide4.xml><?xml version="1.0" encoding="utf-8"?>
+<p:sld xmlns:a="http://schemas.openxmlformats.org/drawingml/2006/main" xmlns:r="http://schemas.openxmlformats.org/officeDocument/2006/relationships" xmlns:p="http://schemas.openxmlformats.org/presentationml/2006/main">
+  <p:cSld>
+    <p:spTree>
+      <p:nvGrpSpPr>
+        <p:cNvPr id="1" name=""/>
+        <p:cNvGrpSpPr/>
+        <p:nvPr/>
+      </p:nvGrpSpPr>
+      <p:grpSpPr/>
     </p:spTree>
   </p:cSld>
   <p:clrMapOvr>

--- a/screenShot/heatmapOfPathPlanners.pptx
+++ b/screenShot/heatmapOfPathPlanners.pptx
@@ -3480,9 +3480,9 @@
           <a:prstGeom prst="rect">
             <a:avLst/>
           </a:prstGeom>
-          <a:ln>
+          <a:ln w="12700">
             <a:solidFill>
-              <a:schemeClr val="accent1"/>
+              <a:srgbClr val="B2B2B2"/>
             </a:solidFill>
           </a:ln>
         </p:spPr>
@@ -3510,9 +3510,9 @@
           <a:prstGeom prst="rect">
             <a:avLst/>
           </a:prstGeom>
-          <a:ln>
+          <a:ln w="12700">
             <a:solidFill>
-              <a:schemeClr val="accent1"/>
+              <a:srgbClr val="B2B2B2"/>
             </a:solidFill>
           </a:ln>
         </p:spPr>
@@ -3525,7 +3525,7 @@
         </p:nvSpPr>
         <p:spPr>
           <a:xfrm>
-            <a:off x="2294255" y="4299585"/>
+            <a:off x="2242820" y="4311015"/>
             <a:ext cx="1778635" cy="368300"/>
           </a:xfrm>
           <a:prstGeom prst="rect">
@@ -3540,7 +3540,7 @@
           <a:p>
             <a:r>
               <a:rPr lang="en-US" altLang="zh-CN"/>
-              <a:t>Time step 2009</a:t>
+              <a:t>Time step 2000</a:t>
             </a:r>
             <a:endParaRPr lang="en-US" altLang="zh-CN"/>
           </a:p>
@@ -3563,15 +3563,15 @@
         </p:blipFill>
         <p:spPr>
           <a:xfrm>
-            <a:off x="240041" y="4681596"/>
+            <a:off x="241311" y="4780656"/>
             <a:ext cx="5660653" cy="4193735"/>
           </a:xfrm>
           <a:prstGeom prst="rect">
             <a:avLst/>
           </a:prstGeom>
-          <a:ln>
+          <a:ln w="12700">
             <a:solidFill>
-              <a:schemeClr val="accent1"/>
+              <a:srgbClr val="B2B2B2"/>
             </a:solidFill>
           </a:ln>
         </p:spPr>
@@ -3584,7 +3584,7 @@
         </p:nvSpPr>
         <p:spPr>
           <a:xfrm>
-            <a:off x="2242185" y="8896985"/>
+            <a:off x="2242820" y="8991600"/>
             <a:ext cx="1657985" cy="368300"/>
           </a:xfrm>
           <a:prstGeom prst="rect">
@@ -3599,7 +3599,7 @@
           <a:p>
             <a:r>
               <a:rPr lang="en-US" altLang="zh-CN"/>
-              <a:t>Time step 6019</a:t>
+              <a:t>Time step 6000</a:t>
             </a:r>
             <a:endParaRPr lang="en-US" altLang="zh-CN"/>
           </a:p>
@@ -3613,7 +3613,7 @@
         </p:nvSpPr>
         <p:spPr>
           <a:xfrm>
-            <a:off x="8020050" y="8898890"/>
+            <a:off x="8113395" y="8974455"/>
             <a:ext cx="1739265" cy="368300"/>
           </a:xfrm>
           <a:prstGeom prst="rect">
@@ -3628,7 +3628,7 @@
           <a:p>
             <a:r>
               <a:rPr lang="en-US" altLang="zh-CN"/>
-              <a:t>Time step 8030</a:t>
+              <a:t>Time step 8000</a:t>
             </a:r>
             <a:endParaRPr lang="en-US" altLang="zh-CN"/>
           </a:p>
@@ -3651,15 +3651,15 @@
         </p:blipFill>
         <p:spPr>
           <a:xfrm>
-            <a:off x="6015355" y="4684395"/>
+            <a:off x="6022975" y="4786630"/>
             <a:ext cx="5672455" cy="4187825"/>
           </a:xfrm>
           <a:prstGeom prst="rect">
             <a:avLst/>
           </a:prstGeom>
-          <a:ln>
+          <a:ln w="12700">
             <a:solidFill>
-              <a:schemeClr val="accent1"/>
+              <a:srgbClr val="B2B2B2"/>
             </a:solidFill>
           </a:ln>
         </p:spPr>
@@ -3672,7 +3672,7 @@
         </p:nvSpPr>
         <p:spPr>
           <a:xfrm>
-            <a:off x="8113395" y="4289425"/>
+            <a:off x="8113395" y="4311015"/>
             <a:ext cx="1795145" cy="368300"/>
           </a:xfrm>
           <a:prstGeom prst="rect">
@@ -3687,7 +3687,7 @@
           <a:p>
             <a:r>
               <a:rPr lang="en-US" altLang="zh-CN"/>
-              <a:t>Time step 4029</a:t>
+              <a:t>Time step 4000</a:t>
             </a:r>
             <a:endParaRPr lang="en-US" altLang="zh-CN"/>
           </a:p>
@@ -3728,15 +3728,15 @@
         </p:blipFill>
         <p:spPr>
           <a:xfrm>
-            <a:off x="290195" y="193675"/>
-            <a:ext cx="5516880" cy="4098290"/>
+            <a:off x="305435" y="173355"/>
+            <a:ext cx="5541645" cy="4116705"/>
           </a:xfrm>
           <a:prstGeom prst="rect">
             <a:avLst/>
           </a:prstGeom>
-          <a:ln>
+          <a:ln w="12700">
             <a:solidFill>
-              <a:schemeClr val="accent1"/>
+              <a:srgbClr val="B2B2B2"/>
             </a:solidFill>
           </a:ln>
         </p:spPr>
@@ -3764,7 +3764,7 @@
           <a:p>
             <a:r>
               <a:rPr lang="en-US" altLang="zh-CN"/>
-              <a:t>Time step 2010</a:t>
+              <a:t>Time step 2000</a:t>
             </a:r>
             <a:endParaRPr lang="en-US" altLang="zh-CN"/>
           </a:p>
@@ -3787,15 +3787,15 @@
         </p:blipFill>
         <p:spPr>
           <a:xfrm>
-            <a:off x="5919470" y="184150"/>
+            <a:off x="6042025" y="174625"/>
             <a:ext cx="5574030" cy="4107815"/>
           </a:xfrm>
           <a:prstGeom prst="rect">
             <a:avLst/>
           </a:prstGeom>
-          <a:ln>
+          <a:ln w="12700">
             <a:solidFill>
-              <a:schemeClr val="accent1"/>
+              <a:srgbClr val="B2B2B2"/>
             </a:solidFill>
           </a:ln>
         </p:spPr>
@@ -3823,7 +3823,7 @@
           <a:p>
             <a:r>
               <a:rPr lang="en-US" altLang="zh-CN"/>
-              <a:t>Time step 4019</a:t>
+              <a:t>Time step 4000</a:t>
             </a:r>
             <a:endParaRPr lang="en-US" altLang="zh-CN"/>
           </a:p>
@@ -3847,14 +3847,14 @@
         <p:spPr>
           <a:xfrm>
             <a:off x="290195" y="4749165"/>
-            <a:ext cx="5517515" cy="4083050"/>
+            <a:ext cx="5572760" cy="4124325"/>
           </a:xfrm>
           <a:prstGeom prst="rect">
             <a:avLst/>
           </a:prstGeom>
-          <a:ln>
+          <a:ln w="12700">
             <a:solidFill>
-              <a:schemeClr val="accent1"/>
+              <a:srgbClr val="B2B2B2"/>
             </a:solidFill>
           </a:ln>
         </p:spPr>
@@ -3867,7 +3867,7 @@
         </p:nvSpPr>
         <p:spPr>
           <a:xfrm>
-            <a:off x="2159000" y="8832215"/>
+            <a:off x="2159000" y="8893175"/>
             <a:ext cx="1778635" cy="368300"/>
           </a:xfrm>
           <a:prstGeom prst="rect">
@@ -3882,7 +3882,7 @@
           <a:p>
             <a:r>
               <a:rPr lang="en-US" altLang="zh-CN"/>
-              <a:t>Time step 6085</a:t>
+              <a:t>Time step 6000</a:t>
             </a:r>
             <a:endParaRPr lang="en-US" altLang="zh-CN"/>
           </a:p>
@@ -3905,15 +3905,15 @@
         </p:blipFill>
         <p:spPr>
           <a:xfrm>
-            <a:off x="5919470" y="4749165"/>
+            <a:off x="6042025" y="4749165"/>
             <a:ext cx="5574030" cy="4124325"/>
           </a:xfrm>
           <a:prstGeom prst="rect">
             <a:avLst/>
           </a:prstGeom>
-          <a:ln>
+          <a:ln w="12700">
             <a:solidFill>
-              <a:schemeClr val="accent1"/>
+              <a:srgbClr val="B2B2B2"/>
             </a:solidFill>
           </a:ln>
         </p:spPr>
@@ -3941,7 +3941,7 @@
           <a:p>
             <a:r>
               <a:rPr lang="en-US" altLang="zh-CN"/>
-              <a:t>Time step 8016</a:t>
+              <a:t>Time step 8000</a:t>
             </a:r>
             <a:endParaRPr lang="en-US" altLang="zh-CN"/>
           </a:p>

--- a/screenShot/heatmapOfPathPlanners.pptx
+++ b/screenShot/heatmapOfPathPlanners.pptx
@@ -5,19 +5,21 @@
     <p:sldMasterId id="2147483648" r:id="rId1"/>
   </p:sldMasterIdLst>
   <p:notesMasterIdLst>
-    <p:notesMasterId r:id="rId7"/>
+    <p:notesMasterId r:id="rId8"/>
   </p:notesMasterIdLst>
   <p:handoutMasterIdLst>
-    <p:handoutMasterId r:id="rId8"/>
+    <p:handoutMasterId r:id="rId9"/>
   </p:handoutMasterIdLst>
   <p:sldIdLst>
-    <p:sldId id="256" r:id="rId3"/>
-    <p:sldId id="257" r:id="rId4"/>
-    <p:sldId id="258" r:id="rId5"/>
-    <p:sldId id="259" r:id="rId6"/>
+    <p:sldId id="256" r:id="rId2"/>
+    <p:sldId id="260" r:id="rId3"/>
+    <p:sldId id="261" r:id="rId4"/>
+    <p:sldId id="257" r:id="rId5"/>
+    <p:sldId id="258" r:id="rId6"/>
+    <p:sldId id="259" r:id="rId7"/>
   </p:sldIdLst>
-  <p:sldSz cx="12192635" cy="9359900"/>
-  <p:notesSz cx="7103745" cy="10234295"/>
+  <p:sldSz cx="12192000" cy="9359900"/>
+  <p:notesSz cx="7104063" cy="10234613"/>
   <p:defaultTextStyle>
     <a:defPPr>
       <a:defRPr lang="zh-CN"/>
@@ -113,6 +115,22 @@
       </a:defRPr>
     </a:lvl9pPr>
   </p:defaultTextStyle>
+  <p:extLst>
+    <p:ext uri="{EFAFB233-063F-42B5-8137-9DF3F51BA10A}">
+      <p15:sldGuideLst xmlns:p15="http://schemas.microsoft.com/office/powerpoint/2012/main">
+        <p15:guide id="1" orient="horz" pos="2947">
+          <p15:clr>
+            <a:srgbClr val="A4A3A4"/>
+          </p15:clr>
+        </p15:guide>
+        <p15:guide id="2" pos="3840">
+          <p15:clr>
+            <a:srgbClr val="A4A3A4"/>
+          </p15:clr>
+        </p15:guide>
+      </p15:sldGuideLst>
+    </p:ext>
+  </p:extLst>
 </p:presentation>
 </file>
 
@@ -198,6 +216,7 @@
           <a:p>
             <a:fld id="{0F9B84EA-7D68-4D60-9CB1-D50884785D1C}" type="datetimeFigureOut">
               <a:rPr lang="zh-CN" altLang="en-US" smtClean="0"/>
+              <a:t>2022/9/21</a:t>
             </a:fld>
             <a:endParaRPr lang="zh-CN" altLang="en-US"/>
           </a:p>
@@ -263,12 +282,18 @@
           <a:p>
             <a:fld id="{8D4E0FC9-F1F8-4FAE-9988-3BA365CFD46F}" type="slidenum">
               <a:rPr lang="zh-CN" altLang="en-US" smtClean="0"/>
+              <a:t>‹#›</a:t>
             </a:fld>
             <a:endParaRPr lang="zh-CN" altLang="en-US"/>
           </a:p>
         </p:txBody>
       </p:sp>
     </p:spTree>
+    <p:extLst>
+      <p:ext uri="{BB962C8B-B14F-4D97-AF65-F5344CB8AC3E}">
+        <p14:creationId xmlns:p14="http://schemas.microsoft.com/office/powerpoint/2010/main" val="1"/>
+      </p:ext>
+    </p:extLst>
   </p:cSld>
   <p:clrMap bg1="lt1" tx1="dk1" bg2="lt2" tx2="dk2" accent1="accent1" accent2="accent2" accent3="accent3" accent4="accent4" accent5="accent5" accent6="accent6" hlink="hlink" folHlink="folHlink"/>
 </p:handoutMaster>
@@ -356,6 +381,7 @@
           <a:p>
             <a:fld id="{D6C8D182-E4C8-4120-9249-FC9774456FFA}" type="datetimeFigureOut">
               <a:rPr lang="zh-CN" altLang="en-US" smtClean="0"/>
+              <a:t>2022/9/21</a:t>
             </a:fld>
             <a:endParaRPr lang="zh-CN" altLang="en-US"/>
           </a:p>
@@ -422,7 +448,6 @@
               <a:rPr lang="zh-CN" altLang="en-US"/>
               <a:t>编辑母版文本样式</a:t>
             </a:r>
-            <a:endParaRPr lang="zh-CN" altLang="en-US"/>
           </a:p>
           <a:p>
             <a:pPr lvl="1"/>
@@ -430,7 +455,6 @@
               <a:rPr lang="zh-CN" altLang="en-US"/>
               <a:t>第二级</a:t>
             </a:r>
-            <a:endParaRPr lang="zh-CN" altLang="en-US"/>
           </a:p>
           <a:p>
             <a:pPr lvl="2"/>
@@ -438,7 +462,6 @@
               <a:rPr lang="zh-CN" altLang="en-US"/>
               <a:t>第三级</a:t>
             </a:r>
-            <a:endParaRPr lang="zh-CN" altLang="en-US"/>
           </a:p>
           <a:p>
             <a:pPr lvl="3"/>
@@ -446,7 +469,6 @@
               <a:rPr lang="zh-CN" altLang="en-US"/>
               <a:t>第四级</a:t>
             </a:r>
-            <a:endParaRPr lang="zh-CN" altLang="en-US"/>
           </a:p>
           <a:p>
             <a:pPr lvl="4"/>
@@ -454,7 +476,6 @@
               <a:rPr lang="zh-CN" altLang="en-US"/>
               <a:t>第五级</a:t>
             </a:r>
-            <a:endParaRPr lang="zh-CN" altLang="en-US"/>
           </a:p>
         </p:txBody>
       </p:sp>
@@ -518,6 +539,7 @@
           <a:p>
             <a:fld id="{85D0DACE-38E0-42D2-9336-2B707D34BC6D}" type="slidenum">
               <a:rPr lang="zh-CN" altLang="en-US" smtClean="0"/>
+              <a:t>‹#›</a:t>
             </a:fld>
             <a:endParaRPr lang="zh-CN" altLang="en-US"/>
           </a:p>
@@ -679,7 +701,6 @@
               <a:rPr lang="zh-CN" altLang="en-US" dirty="0"/>
               <a:t>单击此处添加标题</a:t>
             </a:r>
-            <a:endParaRPr lang="zh-CN" altLang="en-US" dirty="0"/>
           </a:p>
         </p:txBody>
       </p:sp>
@@ -700,6 +721,7 @@
           <a:p>
             <a:fld id="{760FBDFE-C587-4B4C-A407-44438C67B59E}" type="datetimeFigureOut">
               <a:rPr lang="zh-CN" altLang="en-US" smtClean="0"/>
+              <a:t>2022/9/21</a:t>
             </a:fld>
             <a:endParaRPr lang="zh-CN" altLang="en-US"/>
           </a:p>
@@ -741,6 +763,7 @@
           <a:p>
             <a:fld id="{49AE70B2-8BF9-45C0-BB95-33D1B9D3A854}" type="slidenum">
               <a:rPr lang="zh-CN" altLang="en-US" smtClean="0"/>
+              <a:t>‹#›</a:t>
             </a:fld>
             <a:endParaRPr lang="zh-CN" altLang="en-US"/>
           </a:p>
@@ -819,7 +842,6 @@
               <a:rPr lang="zh-CN" altLang="en-US" dirty="0"/>
               <a:t>单击此处添加副标题</a:t>
             </a:r>
-            <a:endParaRPr lang="zh-CN" altLang="en-US" dirty="0"/>
           </a:p>
         </p:txBody>
       </p:sp>
@@ -865,6 +887,7 @@
           <a:p>
             <a:fld id="{760FBDFE-C587-4B4C-A407-44438C67B59E}" type="datetimeFigureOut">
               <a:rPr lang="zh-CN" altLang="en-US" smtClean="0"/>
+              <a:t>2022/9/21</a:t>
             </a:fld>
             <a:endParaRPr lang="zh-CN" altLang="en-US"/>
           </a:p>
@@ -906,6 +929,7 @@
           <a:p>
             <a:fld id="{49AE70B2-8BF9-45C0-BB95-33D1B9D3A854}" type="slidenum">
               <a:rPr lang="zh-CN" altLang="en-US" smtClean="0"/>
+              <a:t>‹#›</a:t>
             </a:fld>
             <a:endParaRPr lang="zh-CN" altLang="en-US"/>
           </a:p>
@@ -936,7 +960,6 @@
               <a:rPr lang="zh-CN" altLang="en-US" dirty="0"/>
               <a:t>单击此处编辑母版文本样式</a:t>
             </a:r>
-            <a:endParaRPr lang="zh-CN" altLang="en-US" dirty="0"/>
           </a:p>
           <a:p>
             <a:pPr lvl="1"/>
@@ -944,7 +967,6 @@
               <a:rPr lang="zh-CN" altLang="en-US" dirty="0"/>
               <a:t>第二级</a:t>
             </a:r>
-            <a:endParaRPr lang="zh-CN" altLang="en-US" dirty="0"/>
           </a:p>
           <a:p>
             <a:pPr lvl="2"/>
@@ -952,7 +974,6 @@
               <a:rPr lang="zh-CN" altLang="en-US" dirty="0"/>
               <a:t>第三级</a:t>
             </a:r>
-            <a:endParaRPr lang="zh-CN" altLang="en-US" dirty="0"/>
           </a:p>
           <a:p>
             <a:pPr lvl="3"/>
@@ -960,7 +981,6 @@
               <a:rPr lang="zh-CN" altLang="en-US" dirty="0"/>
               <a:t>第四级</a:t>
             </a:r>
-            <a:endParaRPr lang="zh-CN" altLang="en-US" dirty="0"/>
           </a:p>
           <a:p>
             <a:pPr lvl="4"/>
@@ -968,7 +988,6 @@
               <a:rPr lang="zh-CN" altLang="en-US" dirty="0"/>
               <a:t>第五级</a:t>
             </a:r>
-            <a:endParaRPr lang="zh-CN" altLang="en-US" dirty="0"/>
           </a:p>
         </p:txBody>
       </p:sp>
@@ -1035,7 +1054,6 @@
               <a:rPr lang="zh-CN" altLang="en-US" dirty="0"/>
               <a:t>单击此处编辑母版标题样式</a:t>
             </a:r>
-            <a:endParaRPr lang="zh-CN" altLang="en-US" dirty="0"/>
           </a:p>
         </p:txBody>
       </p:sp>
@@ -1117,7 +1135,6 @@
               <a:rPr lang="zh-CN" altLang="en-US" dirty="0"/>
               <a:t>单击此处编辑母版文本样式</a:t>
             </a:r>
-            <a:endParaRPr lang="zh-CN" altLang="en-US" dirty="0"/>
           </a:p>
           <a:p>
             <a:pPr lvl="1"/>
@@ -1125,7 +1142,6 @@
               <a:rPr lang="zh-CN" altLang="en-US" dirty="0"/>
               <a:t>第二级</a:t>
             </a:r>
-            <a:endParaRPr lang="zh-CN" altLang="en-US" dirty="0"/>
           </a:p>
           <a:p>
             <a:pPr lvl="2"/>
@@ -1133,7 +1149,6 @@
               <a:rPr lang="zh-CN" altLang="en-US" dirty="0"/>
               <a:t>第三级</a:t>
             </a:r>
-            <a:endParaRPr lang="zh-CN" altLang="en-US" dirty="0"/>
           </a:p>
           <a:p>
             <a:pPr lvl="3"/>
@@ -1141,7 +1156,6 @@
               <a:rPr lang="zh-CN" altLang="en-US" dirty="0"/>
               <a:t>第四级</a:t>
             </a:r>
-            <a:endParaRPr lang="zh-CN" altLang="en-US" dirty="0"/>
           </a:p>
           <a:p>
             <a:pPr lvl="4"/>
@@ -1149,7 +1163,6 @@
               <a:rPr lang="zh-CN" altLang="en-US" dirty="0"/>
               <a:t>第五级</a:t>
             </a:r>
-            <a:endParaRPr lang="zh-CN" altLang="en-US" dirty="0"/>
           </a:p>
         </p:txBody>
       </p:sp>
@@ -1170,6 +1183,7 @@
           <a:p>
             <a:fld id="{760FBDFE-C587-4B4C-A407-44438C67B59E}" type="datetimeFigureOut">
               <a:rPr lang="zh-CN" altLang="en-US" smtClean="0"/>
+              <a:t>2022/9/21</a:t>
             </a:fld>
             <a:endParaRPr lang="zh-CN" altLang="en-US"/>
           </a:p>
@@ -1211,6 +1225,7 @@
           <a:p>
             <a:fld id="{49AE70B2-8BF9-45C0-BB95-33D1B9D3A854}" type="slidenum">
               <a:rPr lang="zh-CN" altLang="en-US" smtClean="0"/>
+              <a:t>‹#›</a:t>
             </a:fld>
             <a:endParaRPr lang="zh-CN" altLang="en-US"/>
           </a:p>
@@ -1279,7 +1294,6 @@
               <a:rPr lang="zh-CN" altLang="en-US" dirty="0"/>
               <a:t>单击此处编辑母版标题样式</a:t>
             </a:r>
-            <a:endParaRPr lang="zh-CN" altLang="en-US" dirty="0"/>
           </a:p>
         </p:txBody>
       </p:sp>
@@ -1399,7 +1413,6 @@
               <a:rPr lang="zh-CN" altLang="en-US" dirty="0"/>
               <a:t>单击此处编辑母版文本样式</a:t>
             </a:r>
-            <a:endParaRPr lang="zh-CN" altLang="en-US" dirty="0"/>
           </a:p>
         </p:txBody>
       </p:sp>
@@ -1420,6 +1433,7 @@
           <a:p>
             <a:fld id="{760FBDFE-C587-4B4C-A407-44438C67B59E}" type="datetimeFigureOut">
               <a:rPr lang="zh-CN" altLang="en-US" smtClean="0"/>
+              <a:t>2022/9/21</a:t>
             </a:fld>
             <a:endParaRPr lang="zh-CN" altLang="en-US"/>
           </a:p>
@@ -1461,6 +1475,7 @@
           <a:p>
             <a:fld id="{49AE70B2-8BF9-45C0-BB95-33D1B9D3A854}" type="slidenum">
               <a:rPr lang="zh-CN" altLang="en-US" smtClean="0"/>
+              <a:t>‹#›</a:t>
             </a:fld>
             <a:endParaRPr lang="zh-CN" altLang="en-US"/>
           </a:p>
@@ -1529,7 +1544,6 @@
               <a:rPr lang="zh-CN" altLang="en-US" dirty="0"/>
               <a:t>单击此处编辑母版标题样式</a:t>
             </a:r>
-            <a:endParaRPr lang="zh-CN" altLang="en-US" dirty="0"/>
           </a:p>
         </p:txBody>
       </p:sp>
@@ -1626,7 +1640,6 @@
               <a:rPr lang="zh-CN" altLang="en-US" dirty="0"/>
               <a:t>单击此处编辑母版文本样式</a:t>
             </a:r>
-            <a:endParaRPr lang="zh-CN" altLang="en-US" dirty="0"/>
           </a:p>
           <a:p>
             <a:pPr lvl="1"/>
@@ -1634,7 +1647,6 @@
               <a:rPr lang="zh-CN" altLang="en-US" dirty="0"/>
               <a:t>第二级</a:t>
             </a:r>
-            <a:endParaRPr lang="zh-CN" altLang="en-US" dirty="0"/>
           </a:p>
           <a:p>
             <a:pPr lvl="2"/>
@@ -1642,7 +1654,6 @@
               <a:rPr lang="zh-CN" altLang="en-US" dirty="0"/>
               <a:t>第三级</a:t>
             </a:r>
-            <a:endParaRPr lang="zh-CN" altLang="en-US" dirty="0"/>
           </a:p>
           <a:p>
             <a:pPr lvl="3"/>
@@ -1650,7 +1661,6 @@
               <a:rPr lang="zh-CN" altLang="en-US" dirty="0"/>
               <a:t>第四级</a:t>
             </a:r>
-            <a:endParaRPr lang="zh-CN" altLang="en-US" dirty="0"/>
           </a:p>
           <a:p>
             <a:pPr lvl="4"/>
@@ -1658,7 +1668,6 @@
               <a:rPr lang="zh-CN" altLang="en-US" dirty="0"/>
               <a:t>第五级</a:t>
             </a:r>
-            <a:endParaRPr lang="zh-CN" altLang="en-US" dirty="0"/>
           </a:p>
         </p:txBody>
       </p:sp>
@@ -1755,7 +1764,6 @@
               <a:rPr lang="zh-CN" altLang="en-US" dirty="0"/>
               <a:t>单击此处编辑母版文本样式</a:t>
             </a:r>
-            <a:endParaRPr lang="zh-CN" altLang="en-US" dirty="0"/>
           </a:p>
           <a:p>
             <a:pPr lvl="1"/>
@@ -1763,7 +1771,6 @@
               <a:rPr lang="zh-CN" altLang="en-US" dirty="0"/>
               <a:t>第二级</a:t>
             </a:r>
-            <a:endParaRPr lang="zh-CN" altLang="en-US" dirty="0"/>
           </a:p>
           <a:p>
             <a:pPr lvl="2"/>
@@ -1771,7 +1778,6 @@
               <a:rPr lang="zh-CN" altLang="en-US" dirty="0"/>
               <a:t>第三级</a:t>
             </a:r>
-            <a:endParaRPr lang="zh-CN" altLang="en-US" dirty="0"/>
           </a:p>
           <a:p>
             <a:pPr lvl="3"/>
@@ -1779,7 +1785,6 @@
               <a:rPr lang="zh-CN" altLang="en-US" dirty="0"/>
               <a:t>第四级</a:t>
             </a:r>
-            <a:endParaRPr lang="zh-CN" altLang="en-US" dirty="0"/>
           </a:p>
           <a:p>
             <a:pPr lvl="4"/>
@@ -1787,7 +1792,6 @@
               <a:rPr lang="zh-CN" altLang="en-US" dirty="0"/>
               <a:t>第五级</a:t>
             </a:r>
-            <a:endParaRPr lang="zh-CN" altLang="en-US" dirty="0"/>
           </a:p>
         </p:txBody>
       </p:sp>
@@ -1808,6 +1812,7 @@
           <a:p>
             <a:fld id="{760FBDFE-C587-4B4C-A407-44438C67B59E}" type="datetimeFigureOut">
               <a:rPr lang="zh-CN" altLang="en-US" smtClean="0"/>
+              <a:t>2022/9/21</a:t>
             </a:fld>
             <a:endParaRPr lang="zh-CN" altLang="en-US"/>
           </a:p>
@@ -1849,6 +1854,7 @@
           <a:p>
             <a:fld id="{49AE70B2-8BF9-45C0-BB95-33D1B9D3A854}" type="slidenum">
               <a:rPr lang="zh-CN" altLang="en-US" smtClean="0"/>
+              <a:t>‹#›</a:t>
             </a:fld>
             <a:endParaRPr lang="zh-CN" altLang="en-US"/>
           </a:p>
@@ -1903,7 +1909,6 @@
               <a:rPr lang="zh-CN" altLang="en-US"/>
               <a:t>单击此处编辑母版标题样式</a:t>
             </a:r>
-            <a:endParaRPr lang="zh-CN" altLang="en-US"/>
           </a:p>
         </p:txBody>
       </p:sp>
@@ -1969,7 +1974,6 @@
               <a:rPr lang="zh-CN" altLang="en-US" dirty="0"/>
               <a:t>单击此处编辑母版文本样式</a:t>
             </a:r>
-            <a:endParaRPr lang="zh-CN" altLang="en-US" dirty="0"/>
           </a:p>
         </p:txBody>
       </p:sp>
@@ -1998,7 +2002,6 @@
               <a:rPr lang="zh-CN" altLang="en-US" dirty="0"/>
               <a:t>单击此处编辑母版文本样式</a:t>
             </a:r>
-            <a:endParaRPr lang="zh-CN" altLang="en-US" dirty="0"/>
           </a:p>
           <a:p>
             <a:pPr lvl="1"/>
@@ -2006,7 +2009,6 @@
               <a:rPr lang="zh-CN" altLang="en-US" dirty="0"/>
               <a:t>第二级</a:t>
             </a:r>
-            <a:endParaRPr lang="zh-CN" altLang="en-US" dirty="0"/>
           </a:p>
           <a:p>
             <a:pPr lvl="2"/>
@@ -2014,7 +2016,6 @@
               <a:rPr lang="zh-CN" altLang="en-US" dirty="0"/>
               <a:t>第三级</a:t>
             </a:r>
-            <a:endParaRPr lang="zh-CN" altLang="en-US" dirty="0"/>
           </a:p>
           <a:p>
             <a:pPr lvl="3"/>
@@ -2022,7 +2023,6 @@
               <a:rPr lang="zh-CN" altLang="en-US" dirty="0"/>
               <a:t>第四级</a:t>
             </a:r>
-            <a:endParaRPr lang="zh-CN" altLang="en-US" dirty="0"/>
           </a:p>
           <a:p>
             <a:pPr lvl="4"/>
@@ -2030,7 +2030,6 @@
               <a:rPr lang="zh-CN" altLang="en-US" dirty="0"/>
               <a:t>第五级</a:t>
             </a:r>
-            <a:endParaRPr lang="zh-CN" altLang="en-US" dirty="0"/>
           </a:p>
         </p:txBody>
       </p:sp>
@@ -2096,7 +2095,6 @@
               <a:rPr lang="zh-CN" altLang="en-US" dirty="0"/>
               <a:t>单击此处编辑母版文本样式</a:t>
             </a:r>
-            <a:endParaRPr lang="zh-CN" altLang="en-US" dirty="0"/>
           </a:p>
         </p:txBody>
       </p:sp>
@@ -2125,7 +2123,6 @@
               <a:rPr lang="zh-CN" altLang="en-US" dirty="0"/>
               <a:t>单击此处编辑母版文本样式</a:t>
             </a:r>
-            <a:endParaRPr lang="zh-CN" altLang="en-US" dirty="0"/>
           </a:p>
           <a:p>
             <a:pPr lvl="1"/>
@@ -2133,7 +2130,6 @@
               <a:rPr lang="zh-CN" altLang="en-US" dirty="0"/>
               <a:t>第二级</a:t>
             </a:r>
-            <a:endParaRPr lang="zh-CN" altLang="en-US" dirty="0"/>
           </a:p>
           <a:p>
             <a:pPr lvl="2"/>
@@ -2141,7 +2137,6 @@
               <a:rPr lang="zh-CN" altLang="en-US" dirty="0"/>
               <a:t>第三级</a:t>
             </a:r>
-            <a:endParaRPr lang="zh-CN" altLang="en-US" dirty="0"/>
           </a:p>
           <a:p>
             <a:pPr lvl="3"/>
@@ -2149,7 +2144,6 @@
               <a:rPr lang="zh-CN" altLang="en-US" dirty="0"/>
               <a:t>第四级</a:t>
             </a:r>
-            <a:endParaRPr lang="zh-CN" altLang="en-US" dirty="0"/>
           </a:p>
           <a:p>
             <a:pPr lvl="4"/>
@@ -2157,7 +2151,6 @@
               <a:rPr lang="zh-CN" altLang="en-US" dirty="0"/>
               <a:t>第五级</a:t>
             </a:r>
-            <a:endParaRPr lang="zh-CN" altLang="en-US" dirty="0"/>
           </a:p>
         </p:txBody>
       </p:sp>
@@ -2178,6 +2171,7 @@
           <a:p>
             <a:fld id="{760FBDFE-C587-4B4C-A407-44438C67B59E}" type="datetimeFigureOut">
               <a:rPr lang="zh-CN" altLang="en-US" smtClean="0"/>
+              <a:t>2022/9/21</a:t>
             </a:fld>
             <a:endParaRPr lang="zh-CN" altLang="en-US"/>
           </a:p>
@@ -2219,6 +2213,7 @@
           <a:p>
             <a:fld id="{49AE70B2-8BF9-45C0-BB95-33D1B9D3A854}" type="slidenum">
               <a:rPr lang="zh-CN" altLang="en-US" smtClean="0"/>
+              <a:t>‹#›</a:t>
             </a:fld>
             <a:endParaRPr lang="zh-CN" altLang="en-US"/>
           </a:p>
@@ -2287,7 +2282,6 @@
               <a:rPr lang="zh-CN" altLang="en-US" dirty="0"/>
               <a:t>单击此处编辑母版标题样式</a:t>
             </a:r>
-            <a:endParaRPr lang="zh-CN" altLang="en-US" dirty="0"/>
           </a:p>
         </p:txBody>
       </p:sp>
@@ -2308,6 +2302,7 @@
           <a:p>
             <a:fld id="{760FBDFE-C587-4B4C-A407-44438C67B59E}" type="datetimeFigureOut">
               <a:rPr lang="zh-CN" altLang="en-US" smtClean="0"/>
+              <a:t>2022/9/21</a:t>
             </a:fld>
             <a:endParaRPr lang="zh-CN" altLang="en-US"/>
           </a:p>
@@ -2349,6 +2344,7 @@
           <a:p>
             <a:fld id="{49AE70B2-8BF9-45C0-BB95-33D1B9D3A854}" type="slidenum">
               <a:rPr lang="zh-CN" altLang="en-US" smtClean="0"/>
+              <a:t>‹#›</a:t>
             </a:fld>
             <a:endParaRPr lang="zh-CN" altLang="en-US"/>
           </a:p>
@@ -2396,6 +2392,7 @@
           <a:p>
             <a:fld id="{760FBDFE-C587-4B4C-A407-44438C67B59E}" type="datetimeFigureOut">
               <a:rPr lang="zh-CN" altLang="en-US" smtClean="0"/>
+              <a:t>2022/9/21</a:t>
             </a:fld>
             <a:endParaRPr lang="zh-CN" altLang="en-US"/>
           </a:p>
@@ -2437,6 +2434,7 @@
           <a:p>
             <a:fld id="{49AE70B2-8BF9-45C0-BB95-33D1B9D3A854}" type="slidenum">
               <a:rPr lang="zh-CN" altLang="en-US" smtClean="0"/>
+              <a:t>‹#›</a:t>
             </a:fld>
             <a:endParaRPr lang="zh-CN" altLang="en-US"/>
           </a:p>
@@ -2505,7 +2503,6 @@
               <a:rPr lang="zh-CN" altLang="en-US" dirty="0"/>
               <a:t>单击此处编辑标题</a:t>
             </a:r>
-            <a:endParaRPr lang="zh-CN" altLang="en-US" dirty="0"/>
           </a:p>
         </p:txBody>
       </p:sp>
@@ -2637,7 +2634,6 @@
               <a:rPr lang="zh-CN" altLang="en-US" dirty="0"/>
               <a:t>单击此处编辑母版文本样式</a:t>
             </a:r>
-            <a:endParaRPr lang="zh-CN" altLang="en-US" dirty="0"/>
           </a:p>
         </p:txBody>
       </p:sp>
@@ -2658,6 +2654,7 @@
           <a:p>
             <a:fld id="{9EFD9D74-47D9-4702-A33C-335B63B48DBF}" type="datetimeFigureOut">
               <a:rPr lang="zh-CN" altLang="en-US" smtClean="0"/>
+              <a:t>2022/9/21</a:t>
             </a:fld>
             <a:endParaRPr lang="zh-CN" altLang="en-US" dirty="0"/>
           </a:p>
@@ -2699,6 +2696,7 @@
           <a:p>
             <a:fld id="{FABC47A4-756D-490B-A52F-7D9E2C9FC05F}" type="slidenum">
               <a:rPr lang="zh-CN" altLang="en-US" smtClean="0"/>
+              <a:t>‹#›</a:t>
             </a:fld>
             <a:endParaRPr lang="zh-CN" altLang="en-US"/>
           </a:p>
@@ -2759,7 +2757,6 @@
               <a:rPr lang="zh-CN" altLang="en-US"/>
               <a:t>单击此处编辑母版标题样式</a:t>
             </a:r>
-            <a:endParaRPr lang="zh-CN" altLang="en-US"/>
           </a:p>
         </p:txBody>
       </p:sp>
@@ -2788,7 +2785,6 @@
               <a:rPr lang="zh-CN" altLang="en-US" dirty="0"/>
               <a:t>单击此处编辑母版文本样式</a:t>
             </a:r>
-            <a:endParaRPr lang="zh-CN" altLang="en-US" dirty="0"/>
           </a:p>
           <a:p>
             <a:pPr lvl="1"/>
@@ -2796,7 +2792,6 @@
               <a:rPr lang="zh-CN" altLang="en-US" dirty="0"/>
               <a:t>第二级</a:t>
             </a:r>
-            <a:endParaRPr lang="zh-CN" altLang="en-US" dirty="0"/>
           </a:p>
           <a:p>
             <a:pPr lvl="2"/>
@@ -2804,7 +2799,6 @@
               <a:rPr lang="zh-CN" altLang="en-US" dirty="0"/>
               <a:t>第三级</a:t>
             </a:r>
-            <a:endParaRPr lang="zh-CN" altLang="en-US" dirty="0"/>
           </a:p>
           <a:p>
             <a:pPr lvl="3"/>
@@ -2812,7 +2806,6 @@
               <a:rPr lang="zh-CN" altLang="en-US" dirty="0"/>
               <a:t>第四级</a:t>
             </a:r>
-            <a:endParaRPr lang="zh-CN" altLang="en-US" dirty="0"/>
           </a:p>
           <a:p>
             <a:pPr lvl="4"/>
@@ -2820,7 +2813,6 @@
               <a:rPr lang="zh-CN" altLang="en-US" dirty="0"/>
               <a:t>第五级</a:t>
             </a:r>
-            <a:endParaRPr lang="zh-CN" altLang="en-US" dirty="0"/>
           </a:p>
         </p:txBody>
       </p:sp>
@@ -2841,6 +2833,7 @@
           <a:p>
             <a:fld id="{760FBDFE-C587-4B4C-A407-44438C67B59E}" type="datetimeFigureOut">
               <a:rPr lang="zh-CN" altLang="en-US" smtClean="0"/>
+              <a:t>2022/9/21</a:t>
             </a:fld>
             <a:endParaRPr lang="zh-CN" altLang="en-US"/>
           </a:p>
@@ -2882,6 +2875,7 @@
           <a:p>
             <a:fld id="{49AE70B2-8BF9-45C0-BB95-33D1B9D3A854}" type="slidenum">
               <a:rPr lang="zh-CN" altLang="en-US" smtClean="0"/>
+              <a:t>‹#›</a:t>
             </a:fld>
             <a:endParaRPr lang="zh-CN" altLang="en-US"/>
           </a:p>
@@ -2949,7 +2943,6 @@
               <a:rPr lang="zh-CN" altLang="en-US" dirty="0"/>
               <a:t>单击此处编辑母版标题样式</a:t>
             </a:r>
-            <a:endParaRPr lang="zh-CN" altLang="en-US" dirty="0"/>
           </a:p>
         </p:txBody>
       </p:sp>
@@ -2983,7 +2976,6 @@
               <a:rPr lang="zh-CN" altLang="en-US" dirty="0"/>
               <a:t>单击此处编辑母版文本样式</a:t>
             </a:r>
-            <a:endParaRPr lang="zh-CN" altLang="en-US" dirty="0"/>
           </a:p>
           <a:p>
             <a:pPr lvl="1"/>
@@ -2991,7 +2983,6 @@
               <a:rPr lang="zh-CN" altLang="en-US" dirty="0"/>
               <a:t>第二级</a:t>
             </a:r>
-            <a:endParaRPr lang="zh-CN" altLang="en-US" dirty="0"/>
           </a:p>
           <a:p>
             <a:pPr lvl="2"/>
@@ -2999,7 +2990,6 @@
               <a:rPr lang="zh-CN" altLang="en-US" dirty="0"/>
               <a:t>第三级</a:t>
             </a:r>
-            <a:endParaRPr lang="zh-CN" altLang="en-US" dirty="0"/>
           </a:p>
           <a:p>
             <a:pPr lvl="3"/>
@@ -3007,7 +2997,6 @@
               <a:rPr lang="zh-CN" altLang="en-US" dirty="0"/>
               <a:t>第四级</a:t>
             </a:r>
-            <a:endParaRPr lang="zh-CN" altLang="en-US" dirty="0"/>
           </a:p>
           <a:p>
             <a:pPr lvl="4"/>
@@ -3015,7 +3004,6 @@
               <a:rPr lang="zh-CN" altLang="en-US" dirty="0"/>
               <a:t>第五级</a:t>
             </a:r>
-            <a:endParaRPr lang="zh-CN" altLang="en-US" dirty="0"/>
           </a:p>
         </p:txBody>
       </p:sp>
@@ -3056,6 +3044,7 @@
           <a:p>
             <a:fld id="{760FBDFE-C587-4B4C-A407-44438C67B59E}" type="datetimeFigureOut">
               <a:rPr lang="zh-CN" altLang="en-US" smtClean="0"/>
+              <a:t>2022/9/21</a:t>
             </a:fld>
             <a:endParaRPr lang="zh-CN" altLang="en-US"/>
           </a:p>
@@ -3137,6 +3126,7 @@
           <a:p>
             <a:fld id="{49AE70B2-8BF9-45C0-BB95-33D1B9D3A854}" type="slidenum">
               <a:rPr lang="zh-CN" altLang="en-US" smtClean="0"/>
+              <a:t>‹#›</a:t>
             </a:fld>
             <a:endParaRPr lang="zh-CN" altLang="en-US"/>
           </a:p>
@@ -3466,7 +3456,7 @@
           <p:nvPr/>
         </p:nvPicPr>
         <p:blipFill>
-          <a:blip r:embed="rId1"/>
+          <a:blip r:embed="rId2"/>
           <a:srcRect l="18027" t="9862" r="18085" b="7056"/>
           <a:stretch>
             <a:fillRect/>
@@ -3496,7 +3486,7 @@
           <p:nvPr/>
         </p:nvPicPr>
         <p:blipFill>
-          <a:blip r:embed="rId2"/>
+          <a:blip r:embed="rId3"/>
           <a:srcRect l="17890" t="9983" r="18088" b="6625"/>
           <a:stretch>
             <a:fillRect/>
@@ -3537,12 +3527,12 @@
           <a:bodyPr wrap="square" rtlCol="0">
             <a:spAutoFit/>
           </a:bodyPr>
+          <a:lstStyle/>
           <a:p>
             <a:r>
               <a:rPr lang="en-US" altLang="zh-CN"/>
               <a:t>Time step 2000</a:t>
             </a:r>
-            <a:endParaRPr lang="en-US" altLang="zh-CN"/>
           </a:p>
         </p:txBody>
       </p:sp>
@@ -3555,7 +3545,7 @@
           <p:nvPr/>
         </p:nvPicPr>
         <p:blipFill>
-          <a:blip r:embed="rId3"/>
+          <a:blip r:embed="rId4"/>
           <a:srcRect l="18025" t="9653" r="18088" b="6955"/>
           <a:stretch>
             <a:fillRect/>
@@ -3596,12 +3586,12 @@
           <a:bodyPr wrap="square" rtlCol="0">
             <a:spAutoFit/>
           </a:bodyPr>
+          <a:lstStyle/>
           <a:p>
             <a:r>
               <a:rPr lang="en-US" altLang="zh-CN"/>
               <a:t>Time step 6000</a:t>
             </a:r>
-            <a:endParaRPr lang="en-US" altLang="zh-CN"/>
           </a:p>
         </p:txBody>
       </p:sp>
@@ -3625,12 +3615,12 @@
           <a:bodyPr wrap="square" rtlCol="0">
             <a:spAutoFit/>
           </a:bodyPr>
+          <a:lstStyle/>
           <a:p>
             <a:r>
               <a:rPr lang="en-US" altLang="zh-CN"/>
               <a:t>Time step 8000</a:t>
             </a:r>
-            <a:endParaRPr lang="en-US" altLang="zh-CN"/>
           </a:p>
         </p:txBody>
       </p:sp>
@@ -3643,7 +3633,7 @@
           <p:nvPr/>
         </p:nvPicPr>
         <p:blipFill>
-          <a:blip r:embed="rId4"/>
+          <a:blip r:embed="rId5"/>
           <a:srcRect l="18015" t="9800" r="18015" b="7001"/>
           <a:stretch>
             <a:fillRect/>
@@ -3684,12 +3674,12 @@
           <a:bodyPr wrap="square" rtlCol="0">
             <a:spAutoFit/>
           </a:bodyPr>
+          <a:lstStyle/>
           <a:p>
             <a:r>
               <a:rPr lang="en-US" altLang="zh-CN"/>
               <a:t>Time step 4000</a:t>
             </a:r>
-            <a:endParaRPr lang="en-US" altLang="zh-CN"/>
           </a:p>
         </p:txBody>
       </p:sp>
@@ -3704,250 +3694,77 @@
 <file path=ppt/slides/slide2.xml><?xml version="1.0" encoding="utf-8"?>
 <p:sld xmlns:a="http://schemas.openxmlformats.org/drawingml/2006/main" xmlns:r="http://schemas.openxmlformats.org/officeDocument/2006/relationships" xmlns:p="http://schemas.openxmlformats.org/presentationml/2006/main">
   <p:cSld>
+    <p:bg>
+      <p:bgPr>
+        <a:solidFill>
+          <a:schemeClr val="bg1"/>
+        </a:solidFill>
+        <a:effectLst/>
+      </p:bgPr>
+    </p:bg>
     <p:spTree>
       <p:nvGrpSpPr>
         <p:cNvPr id="1" name=""/>
         <p:cNvGrpSpPr/>
         <p:nvPr/>
       </p:nvGrpSpPr>
-      <p:grpSpPr/>
+      <p:grpSpPr>
+        <a:xfrm>
+          <a:off x="0" y="0"/>
+          <a:ext cx="0" cy="0"/>
+          <a:chOff x="0" y="0"/>
+          <a:chExt cx="0" cy="0"/>
+        </a:xfrm>
+      </p:grpSpPr>
       <p:pic>
         <p:nvPicPr>
-          <p:cNvPr id="4" name="图片 3" descr="TTFMGPP-2010"/>
+          <p:cNvPr id="4" name="图片 3" descr="duarouter-4029">
+            <a:extLst>
+              <a:ext uri="{FF2B5EF4-FFF2-40B4-BE49-F238E27FC236}">
+                <a16:creationId xmlns:a16="http://schemas.microsoft.com/office/drawing/2014/main" id="{1FAD9B90-35A9-4AEF-9A4D-0E27E6B1740B}"/>
+              </a:ext>
+            </a:extLst>
+          </p:cNvPr>
           <p:cNvPicPr>
             <a:picLocks noChangeAspect="1"/>
           </p:cNvPicPr>
           <p:nvPr/>
         </p:nvPicPr>
         <p:blipFill>
-          <a:blip r:embed="rId1"/>
-          <a:srcRect l="18077" t="9571" r="18082" b="6882"/>
+          <a:blip r:embed="rId2">
+            <a:extLst>
+              <a:ext uri="{BEBA8EAE-BF5A-486C-A8C5-ECC9F3942E4B}">
+                <a14:imgProps xmlns:a14="http://schemas.microsoft.com/office/drawing/2010/main">
+                  <a14:imgLayer r:embed="rId3">
+                    <a14:imgEffect>
+                      <a14:saturation sat="0"/>
+                    </a14:imgEffect>
+                  </a14:imgLayer>
+                </a14:imgProps>
+              </a:ext>
+            </a:extLst>
+          </a:blip>
+          <a:srcRect l="17890" t="9983" r="18088" b="6625"/>
           <a:stretch>
             <a:fillRect/>
           </a:stretch>
         </p:blipFill>
         <p:spPr>
           <a:xfrm>
-            <a:off x="305435" y="173355"/>
-            <a:ext cx="5541645" cy="4116705"/>
+            <a:off x="791581" y="878212"/>
+            <a:ext cx="10286109" cy="7603475"/>
           </a:xfrm>
           <a:prstGeom prst="rect">
             <a:avLst/>
           </a:prstGeom>
-          <a:ln w="12700">
-            <a:solidFill>
-              <a:srgbClr val="B2B2B2"/>
-            </a:solidFill>
-          </a:ln>
         </p:spPr>
       </p:pic>
-      <p:sp>
-        <p:nvSpPr>
-          <p:cNvPr id="8" name="文本框 7"/>
-          <p:cNvSpPr txBox="1"/>
-          <p:nvPr/>
-        </p:nvSpPr>
-        <p:spPr>
-          <a:xfrm>
-            <a:off x="2159000" y="4291965"/>
-            <a:ext cx="1778635" cy="368300"/>
-          </a:xfrm>
-          <a:prstGeom prst="rect">
-            <a:avLst/>
-          </a:prstGeom>
-          <a:noFill/>
-        </p:spPr>
-        <p:txBody>
-          <a:bodyPr wrap="square" rtlCol="0">
-            <a:spAutoFit/>
-          </a:bodyPr>
-          <a:p>
-            <a:r>
-              <a:rPr lang="en-US" altLang="zh-CN"/>
-              <a:t>Time step 2000</a:t>
-            </a:r>
-            <a:endParaRPr lang="en-US" altLang="zh-CN"/>
-          </a:p>
-        </p:txBody>
-      </p:sp>
-      <p:pic>
-        <p:nvPicPr>
-          <p:cNvPr id="5" name="图片 4" descr="TTFMGPP-4019"/>
-          <p:cNvPicPr>
-            <a:picLocks noChangeAspect="1"/>
-          </p:cNvPicPr>
-          <p:nvPr/>
-        </p:nvPicPr>
-        <p:blipFill>
-          <a:blip r:embed="rId2"/>
-          <a:srcRect l="17947" t="9800" r="17879" b="6882"/>
-          <a:stretch>
-            <a:fillRect/>
-          </a:stretch>
-        </p:blipFill>
-        <p:spPr>
-          <a:xfrm>
-            <a:off x="6042025" y="174625"/>
-            <a:ext cx="5574030" cy="4107815"/>
-          </a:xfrm>
-          <a:prstGeom prst="rect">
-            <a:avLst/>
-          </a:prstGeom>
-          <a:ln w="12700">
-            <a:solidFill>
-              <a:srgbClr val="B2B2B2"/>
-            </a:solidFill>
-          </a:ln>
-        </p:spPr>
-      </p:pic>
-      <p:sp>
-        <p:nvSpPr>
-          <p:cNvPr id="6" name="文本框 5"/>
-          <p:cNvSpPr txBox="1"/>
-          <p:nvPr/>
-        </p:nvSpPr>
-        <p:spPr>
-          <a:xfrm>
-            <a:off x="7816850" y="4291965"/>
-            <a:ext cx="1778635" cy="368300"/>
-          </a:xfrm>
-          <a:prstGeom prst="rect">
-            <a:avLst/>
-          </a:prstGeom>
-          <a:noFill/>
-        </p:spPr>
-        <p:txBody>
-          <a:bodyPr wrap="square" rtlCol="0">
-            <a:spAutoFit/>
-          </a:bodyPr>
-          <a:p>
-            <a:r>
-              <a:rPr lang="en-US" altLang="zh-CN"/>
-              <a:t>Time step 4000</a:t>
-            </a:r>
-            <a:endParaRPr lang="en-US" altLang="zh-CN"/>
-          </a:p>
-        </p:txBody>
-      </p:sp>
-      <p:pic>
-        <p:nvPicPr>
-          <p:cNvPr id="7" name="图片 6" descr="TTFMGPP-6085"/>
-          <p:cNvPicPr>
-            <a:picLocks noChangeAspect="1"/>
-          </p:cNvPicPr>
-          <p:nvPr/>
-        </p:nvPicPr>
-        <p:blipFill>
-          <a:blip r:embed="rId3"/>
-          <a:srcRect l="17942" t="9571" r="17879" b="6763"/>
-          <a:stretch>
-            <a:fillRect/>
-          </a:stretch>
-        </p:blipFill>
-        <p:spPr>
-          <a:xfrm>
-            <a:off x="290195" y="4749165"/>
-            <a:ext cx="5572760" cy="4124325"/>
-          </a:xfrm>
-          <a:prstGeom prst="rect">
-            <a:avLst/>
-          </a:prstGeom>
-          <a:ln w="12700">
-            <a:solidFill>
-              <a:srgbClr val="B2B2B2"/>
-            </a:solidFill>
-          </a:ln>
-        </p:spPr>
-      </p:pic>
-      <p:sp>
-        <p:nvSpPr>
-          <p:cNvPr id="9" name="文本框 8"/>
-          <p:cNvSpPr txBox="1"/>
-          <p:nvPr/>
-        </p:nvSpPr>
-        <p:spPr>
-          <a:xfrm>
-            <a:off x="2159000" y="8893175"/>
-            <a:ext cx="1778635" cy="368300"/>
-          </a:xfrm>
-          <a:prstGeom prst="rect">
-            <a:avLst/>
-          </a:prstGeom>
-          <a:noFill/>
-        </p:spPr>
-        <p:txBody>
-          <a:bodyPr wrap="square" rtlCol="0">
-            <a:spAutoFit/>
-          </a:bodyPr>
-          <a:p>
-            <a:r>
-              <a:rPr lang="en-US" altLang="zh-CN"/>
-              <a:t>Time step 6000</a:t>
-            </a:r>
-            <a:endParaRPr lang="en-US" altLang="zh-CN"/>
-          </a:p>
-        </p:txBody>
-      </p:sp>
-      <p:pic>
-        <p:nvPicPr>
-          <p:cNvPr id="10" name="图片 9" descr="TTFMGPP-8016"/>
-          <p:cNvPicPr>
-            <a:picLocks noChangeAspect="1"/>
-          </p:cNvPicPr>
-          <p:nvPr/>
-        </p:nvPicPr>
-        <p:blipFill>
-          <a:blip r:embed="rId4"/>
-          <a:srcRect l="18082" t="9690" r="18015" b="7001"/>
-          <a:stretch>
-            <a:fillRect/>
-          </a:stretch>
-        </p:blipFill>
-        <p:spPr>
-          <a:xfrm>
-            <a:off x="6042025" y="4749165"/>
-            <a:ext cx="5574030" cy="4124325"/>
-          </a:xfrm>
-          <a:prstGeom prst="rect">
-            <a:avLst/>
-          </a:prstGeom>
-          <a:ln w="12700">
-            <a:solidFill>
-              <a:srgbClr val="B2B2B2"/>
-            </a:solidFill>
-          </a:ln>
-        </p:spPr>
-      </p:pic>
-      <p:sp>
-        <p:nvSpPr>
-          <p:cNvPr id="11" name="文本框 10"/>
-          <p:cNvSpPr txBox="1"/>
-          <p:nvPr/>
-        </p:nvSpPr>
-        <p:spPr>
-          <a:xfrm>
-            <a:off x="7817485" y="8873490"/>
-            <a:ext cx="1778635" cy="368300"/>
-          </a:xfrm>
-          <a:prstGeom prst="rect">
-            <a:avLst/>
-          </a:prstGeom>
-          <a:noFill/>
-        </p:spPr>
-        <p:txBody>
-          <a:bodyPr wrap="square" rtlCol="0">
-            <a:spAutoFit/>
-          </a:bodyPr>
-          <a:p>
-            <a:r>
-              <a:rPr lang="en-US" altLang="zh-CN"/>
-              <a:t>Time step 8000</a:t>
-            </a:r>
-            <a:endParaRPr lang="en-US" altLang="zh-CN"/>
-          </a:p>
-        </p:txBody>
-      </p:sp>
     </p:spTree>
+    <p:extLst>
+      <p:ext uri="{BB962C8B-B14F-4D97-AF65-F5344CB8AC3E}">
+        <p14:creationId xmlns:p14="http://schemas.microsoft.com/office/powerpoint/2010/main" val="673529135"/>
+      </p:ext>
+    </p:extLst>
   </p:cSld>
   <p:clrMapOvr>
     <a:masterClrMapping/>
@@ -3958,13 +3775,362 @@
 <file path=ppt/slides/slide3.xml><?xml version="1.0" encoding="utf-8"?>
 <p:sld xmlns:a="http://schemas.openxmlformats.org/drawingml/2006/main" xmlns:r="http://schemas.openxmlformats.org/officeDocument/2006/relationships" xmlns:p="http://schemas.openxmlformats.org/presentationml/2006/main">
   <p:cSld>
+    <p:bg>
+      <p:bgPr>
+        <a:solidFill>
+          <a:schemeClr val="bg1"/>
+        </a:solidFill>
+        <a:effectLst/>
+      </p:bgPr>
+    </p:bg>
     <p:spTree>
       <p:nvGrpSpPr>
         <p:cNvPr id="1" name=""/>
         <p:cNvGrpSpPr/>
         <p:nvPr/>
       </p:nvGrpSpPr>
-      <p:grpSpPr/>
+      <p:grpSpPr>
+        <a:xfrm>
+          <a:off x="0" y="0"/>
+          <a:ext cx="0" cy="0"/>
+          <a:chOff x="0" y="0"/>
+          <a:chExt cx="0" cy="0"/>
+        </a:xfrm>
+      </p:grpSpPr>
+      <p:pic>
+        <p:nvPicPr>
+          <p:cNvPr id="4" name="图片 3" descr="TTFMGPP-4019">
+            <a:extLst>
+              <a:ext uri="{FF2B5EF4-FFF2-40B4-BE49-F238E27FC236}">
+                <a16:creationId xmlns:a16="http://schemas.microsoft.com/office/drawing/2014/main" id="{E48D5467-8C84-489E-A09E-04679BFC5631}"/>
+              </a:ext>
+            </a:extLst>
+          </p:cNvPr>
+          <p:cNvPicPr>
+            <a:picLocks noChangeAspect="1"/>
+          </p:cNvPicPr>
+          <p:nvPr/>
+        </p:nvPicPr>
+        <p:blipFill>
+          <a:blip r:embed="rId2">
+            <a:extLst>
+              <a:ext uri="{BEBA8EAE-BF5A-486C-A8C5-ECC9F3942E4B}">
+                <a14:imgProps xmlns:a14="http://schemas.microsoft.com/office/drawing/2010/main">
+                  <a14:imgLayer r:embed="rId3">
+                    <a14:imgEffect>
+                      <a14:saturation sat="0"/>
+                    </a14:imgEffect>
+                  </a14:imgLayer>
+                </a14:imgProps>
+              </a:ext>
+            </a:extLst>
+          </a:blip>
+          <a:srcRect l="17947" t="9800" r="17879" b="6882"/>
+          <a:stretch>
+            <a:fillRect/>
+          </a:stretch>
+        </p:blipFill>
+        <p:spPr>
+          <a:xfrm>
+            <a:off x="936160" y="878211"/>
+            <a:ext cx="10319680" cy="7603475"/>
+          </a:xfrm>
+          <a:prstGeom prst="rect">
+            <a:avLst/>
+          </a:prstGeom>
+        </p:spPr>
+      </p:pic>
+    </p:spTree>
+    <p:extLst>
+      <p:ext uri="{BB962C8B-B14F-4D97-AF65-F5344CB8AC3E}">
+        <p14:creationId xmlns:p14="http://schemas.microsoft.com/office/powerpoint/2010/main" val="1106382023"/>
+      </p:ext>
+    </p:extLst>
+  </p:cSld>
+  <p:clrMapOvr>
+    <a:masterClrMapping/>
+  </p:clrMapOvr>
+</p:sld>
+</file>
+
+<file path=ppt/slides/slide4.xml><?xml version="1.0" encoding="utf-8"?>
+<p:sld xmlns:a="http://schemas.openxmlformats.org/drawingml/2006/main" xmlns:r="http://schemas.openxmlformats.org/officeDocument/2006/relationships" xmlns:p="http://schemas.openxmlformats.org/presentationml/2006/main">
+  <p:cSld>
+    <p:spTree>
+      <p:nvGrpSpPr>
+        <p:cNvPr id="1" name=""/>
+        <p:cNvGrpSpPr/>
+        <p:nvPr/>
+      </p:nvGrpSpPr>
+      <p:grpSpPr>
+        <a:xfrm>
+          <a:off x="0" y="0"/>
+          <a:ext cx="0" cy="0"/>
+          <a:chOff x="0" y="0"/>
+          <a:chExt cx="0" cy="0"/>
+        </a:xfrm>
+      </p:grpSpPr>
+      <p:pic>
+        <p:nvPicPr>
+          <p:cNvPr id="4" name="图片 3" descr="TTFMGPP-2010"/>
+          <p:cNvPicPr>
+            <a:picLocks noChangeAspect="1"/>
+          </p:cNvPicPr>
+          <p:nvPr/>
+        </p:nvPicPr>
+        <p:blipFill>
+          <a:blip r:embed="rId2"/>
+          <a:srcRect l="18077" t="9571" r="18082" b="6882"/>
+          <a:stretch>
+            <a:fillRect/>
+          </a:stretch>
+        </p:blipFill>
+        <p:spPr>
+          <a:xfrm>
+            <a:off x="305435" y="173355"/>
+            <a:ext cx="5541645" cy="4116705"/>
+          </a:xfrm>
+          <a:prstGeom prst="rect">
+            <a:avLst/>
+          </a:prstGeom>
+          <a:ln w="12700">
+            <a:solidFill>
+              <a:srgbClr val="B2B2B2"/>
+            </a:solidFill>
+          </a:ln>
+        </p:spPr>
+      </p:pic>
+      <p:sp>
+        <p:nvSpPr>
+          <p:cNvPr id="8" name="文本框 7"/>
+          <p:cNvSpPr txBox="1"/>
+          <p:nvPr/>
+        </p:nvSpPr>
+        <p:spPr>
+          <a:xfrm>
+            <a:off x="2159000" y="4291965"/>
+            <a:ext cx="1778635" cy="368300"/>
+          </a:xfrm>
+          <a:prstGeom prst="rect">
+            <a:avLst/>
+          </a:prstGeom>
+          <a:noFill/>
+        </p:spPr>
+        <p:txBody>
+          <a:bodyPr wrap="square" rtlCol="0">
+            <a:spAutoFit/>
+          </a:bodyPr>
+          <a:lstStyle/>
+          <a:p>
+            <a:r>
+              <a:rPr lang="en-US" altLang="zh-CN"/>
+              <a:t>Time step 2000</a:t>
+            </a:r>
+          </a:p>
+        </p:txBody>
+      </p:sp>
+      <p:pic>
+        <p:nvPicPr>
+          <p:cNvPr id="5" name="图片 4" descr="TTFMGPP-4019"/>
+          <p:cNvPicPr>
+            <a:picLocks noChangeAspect="1"/>
+          </p:cNvPicPr>
+          <p:nvPr/>
+        </p:nvPicPr>
+        <p:blipFill>
+          <a:blip r:embed="rId3"/>
+          <a:srcRect l="17947" t="9800" r="17879" b="6882"/>
+          <a:stretch>
+            <a:fillRect/>
+          </a:stretch>
+        </p:blipFill>
+        <p:spPr>
+          <a:xfrm>
+            <a:off x="6042025" y="118110"/>
+            <a:ext cx="5574030" cy="4107815"/>
+          </a:xfrm>
+          <a:prstGeom prst="rect">
+            <a:avLst/>
+          </a:prstGeom>
+          <a:ln w="12700">
+            <a:solidFill>
+              <a:srgbClr val="B2B2B2"/>
+            </a:solidFill>
+          </a:ln>
+        </p:spPr>
+      </p:pic>
+      <p:sp>
+        <p:nvSpPr>
+          <p:cNvPr id="6" name="文本框 5"/>
+          <p:cNvSpPr txBox="1"/>
+          <p:nvPr/>
+        </p:nvSpPr>
+        <p:spPr>
+          <a:xfrm>
+            <a:off x="7816850" y="4291965"/>
+            <a:ext cx="1778635" cy="368300"/>
+          </a:xfrm>
+          <a:prstGeom prst="rect">
+            <a:avLst/>
+          </a:prstGeom>
+          <a:noFill/>
+        </p:spPr>
+        <p:txBody>
+          <a:bodyPr wrap="square" rtlCol="0">
+            <a:spAutoFit/>
+          </a:bodyPr>
+          <a:lstStyle/>
+          <a:p>
+            <a:r>
+              <a:rPr lang="en-US" altLang="zh-CN"/>
+              <a:t>Time step 4000</a:t>
+            </a:r>
+          </a:p>
+        </p:txBody>
+      </p:sp>
+      <p:pic>
+        <p:nvPicPr>
+          <p:cNvPr id="7" name="图片 6" descr="TTFMGPP-6085"/>
+          <p:cNvPicPr>
+            <a:picLocks noChangeAspect="1"/>
+          </p:cNvPicPr>
+          <p:nvPr/>
+        </p:nvPicPr>
+        <p:blipFill>
+          <a:blip r:embed="rId4"/>
+          <a:srcRect l="17942" t="9571" r="17879" b="6763"/>
+          <a:stretch>
+            <a:fillRect/>
+          </a:stretch>
+        </p:blipFill>
+        <p:spPr>
+          <a:xfrm>
+            <a:off x="290195" y="4749165"/>
+            <a:ext cx="5572760" cy="4124325"/>
+          </a:xfrm>
+          <a:prstGeom prst="rect">
+            <a:avLst/>
+          </a:prstGeom>
+          <a:ln w="12700">
+            <a:solidFill>
+              <a:srgbClr val="B2B2B2"/>
+            </a:solidFill>
+          </a:ln>
+        </p:spPr>
+      </p:pic>
+      <p:sp>
+        <p:nvSpPr>
+          <p:cNvPr id="9" name="文本框 8"/>
+          <p:cNvSpPr txBox="1"/>
+          <p:nvPr/>
+        </p:nvSpPr>
+        <p:spPr>
+          <a:xfrm>
+            <a:off x="2159000" y="8893175"/>
+            <a:ext cx="1778635" cy="368300"/>
+          </a:xfrm>
+          <a:prstGeom prst="rect">
+            <a:avLst/>
+          </a:prstGeom>
+          <a:noFill/>
+        </p:spPr>
+        <p:txBody>
+          <a:bodyPr wrap="square" rtlCol="0">
+            <a:spAutoFit/>
+          </a:bodyPr>
+          <a:lstStyle/>
+          <a:p>
+            <a:r>
+              <a:rPr lang="en-US" altLang="zh-CN"/>
+              <a:t>Time step 6000</a:t>
+            </a:r>
+          </a:p>
+        </p:txBody>
+      </p:sp>
+      <p:pic>
+        <p:nvPicPr>
+          <p:cNvPr id="10" name="图片 9" descr="TTFMGPP-8016"/>
+          <p:cNvPicPr>
+            <a:picLocks noChangeAspect="1"/>
+          </p:cNvPicPr>
+          <p:nvPr/>
+        </p:nvPicPr>
+        <p:blipFill>
+          <a:blip r:embed="rId5"/>
+          <a:srcRect l="18082" t="9690" r="18015" b="7001"/>
+          <a:stretch>
+            <a:fillRect/>
+          </a:stretch>
+        </p:blipFill>
+        <p:spPr>
+          <a:xfrm>
+            <a:off x="6042025" y="4749165"/>
+            <a:ext cx="5574030" cy="4124325"/>
+          </a:xfrm>
+          <a:prstGeom prst="rect">
+            <a:avLst/>
+          </a:prstGeom>
+          <a:ln w="12700">
+            <a:solidFill>
+              <a:srgbClr val="B2B2B2"/>
+            </a:solidFill>
+          </a:ln>
+        </p:spPr>
+      </p:pic>
+      <p:sp>
+        <p:nvSpPr>
+          <p:cNvPr id="11" name="文本框 10"/>
+          <p:cNvSpPr txBox="1"/>
+          <p:nvPr/>
+        </p:nvSpPr>
+        <p:spPr>
+          <a:xfrm>
+            <a:off x="7817485" y="8873490"/>
+            <a:ext cx="1778635" cy="368300"/>
+          </a:xfrm>
+          <a:prstGeom prst="rect">
+            <a:avLst/>
+          </a:prstGeom>
+          <a:noFill/>
+        </p:spPr>
+        <p:txBody>
+          <a:bodyPr wrap="square" rtlCol="0">
+            <a:spAutoFit/>
+          </a:bodyPr>
+          <a:lstStyle/>
+          <a:p>
+            <a:r>
+              <a:rPr lang="en-US" altLang="zh-CN"/>
+              <a:t>Time step 8000</a:t>
+            </a:r>
+          </a:p>
+        </p:txBody>
+      </p:sp>
+    </p:spTree>
+  </p:cSld>
+  <p:clrMapOvr>
+    <a:masterClrMapping/>
+  </p:clrMapOvr>
+</p:sld>
+</file>
+
+<file path=ppt/slides/slide5.xml><?xml version="1.0" encoding="utf-8"?>
+<p:sld xmlns:a="http://schemas.openxmlformats.org/drawingml/2006/main" xmlns:r="http://schemas.openxmlformats.org/officeDocument/2006/relationships" xmlns:p="http://schemas.openxmlformats.org/presentationml/2006/main">
+  <p:cSld>
+    <p:spTree>
+      <p:nvGrpSpPr>
+        <p:cNvPr id="1" name=""/>
+        <p:cNvGrpSpPr/>
+        <p:nvPr/>
+      </p:nvGrpSpPr>
+      <p:grpSpPr>
+        <a:xfrm>
+          <a:off x="0" y="0"/>
+          <a:ext cx="0" cy="0"/>
+          <a:chOff x="0" y="0"/>
+          <a:chExt cx="0" cy="0"/>
+        </a:xfrm>
+      </p:grpSpPr>
       <p:cxnSp>
         <p:nvCxnSpPr>
           <p:cNvPr id="2" name="直接箭头连接符 1"/>
@@ -4096,12 +4262,12 @@
           <a:bodyPr wrap="square" rtlCol="0">
             <a:spAutoFit/>
           </a:bodyPr>
+          <a:lstStyle/>
           <a:p>
             <a:r>
               <a:rPr lang="en-US" altLang="zh-CN"/>
               <a:t>x</a:t>
             </a:r>
-            <a:endParaRPr lang="en-US" altLang="zh-CN"/>
           </a:p>
         </p:txBody>
       </p:sp>
@@ -4125,12 +4291,12 @@
           <a:bodyPr wrap="square" rtlCol="0">
             <a:spAutoFit/>
           </a:bodyPr>
+          <a:lstStyle/>
           <a:p>
             <a:r>
               <a:rPr lang="en-US" altLang="zh-CN"/>
               <a:t>y</a:t>
             </a:r>
-            <a:endParaRPr lang="en-US" altLang="zh-CN"/>
           </a:p>
         </p:txBody>
       </p:sp>
@@ -4154,12 +4320,12 @@
           <a:bodyPr wrap="square" rtlCol="0">
             <a:spAutoFit/>
           </a:bodyPr>
+          <a:lstStyle/>
           <a:p>
             <a:r>
               <a:rPr lang="en-US" altLang="zh-CN"/>
               <a:t>t</a:t>
             </a:r>
-            <a:endParaRPr lang="en-US" altLang="zh-CN"/>
           </a:p>
         </p:txBody>
       </p:sp>
@@ -4206,6 +4372,7 @@
         </p:style>
         <p:txBody>
           <a:bodyPr rtlCol="0" anchor="ctr"/>
+          <a:lstStyle/>
           <a:p>
             <a:pPr algn="ctr"/>
             <a:endParaRPr lang="zh-CN" altLang="en-US"/>
@@ -4253,6 +4420,7 @@
         </p:style>
         <p:txBody>
           <a:bodyPr rtlCol="0" anchor="ctr"/>
+          <a:lstStyle/>
           <a:p>
             <a:pPr algn="ctr"/>
             <a:endParaRPr lang="zh-CN" altLang="en-US"/>
@@ -4302,6 +4470,7 @@
         </p:style>
         <p:txBody>
           <a:bodyPr rtlCol="0" anchor="ctr"/>
+          <a:lstStyle/>
           <a:p>
             <a:pPr algn="ctr"/>
             <a:endParaRPr lang="zh-CN" altLang="en-US"/>
@@ -4559,6 +4728,7 @@
         </p:style>
         <p:txBody>
           <a:bodyPr rtlCol="0" anchor="ctr"/>
+          <a:lstStyle/>
           <a:p>
             <a:pPr algn="ctr"/>
             <a:endParaRPr lang="zh-CN" altLang="en-US"/>
@@ -4635,8 +4805,8 @@
           </a:fontRef>
         </p:style>
       </p:cxnSp>
-      <mc:AlternateContent xmlns:mc="http://schemas.openxmlformats.org/markup-compatibility/2006">
-        <mc:Choice xmlns:a14="http://schemas.microsoft.com/office/drawing/2010/main" Requires="a14">
+      <mc:AlternateContent xmlns:mc="http://schemas.openxmlformats.org/markup-compatibility/2006" xmlns:a14="http://schemas.microsoft.com/office/drawing/2010/main">
+        <mc:Choice Requires="a14">
           <p:sp>
             <p:nvSpPr>
               <p:cNvPr id="22" name="文本框 21"/>
@@ -4657,7 +4827,9 @@
               <a:bodyPr wrap="square" rtlCol="0">
                 <a:spAutoFit/>
               </a:bodyPr>
+              <a:lstStyle/>
               <a:p>
+                <a:pPr/>
                 <a14:m>
                   <m:oMathPara xmlns:m="http://schemas.openxmlformats.org/officeDocument/2006/math">
                     <m:oMathParaPr>
@@ -4668,7 +4840,7 @@
                         <m:sSubPr>
                           <m:ctrlPr>
                             <a:rPr lang="en-US" altLang="zh-CN" i="1">
-                              <a:latin typeface="DejaVu Math TeX Gyre" panose="02000503000000000000" charset="0"/>
+                              <a:latin typeface="Cambria Math" panose="02040503050406030204" pitchFamily="18" charset="0"/>
                               <a:cs typeface="DejaVu Math TeX Gyre" panose="02000503000000000000" charset="0"/>
                             </a:rPr>
                           </m:ctrlPr>
@@ -4676,7 +4848,7 @@
                         <m:e>
                           <m:r>
                             <a:rPr lang="en-US" altLang="zh-CN" i="1">
-                              <a:latin typeface="DejaVu Math TeX Gyre" panose="02000503000000000000" charset="0"/>
+                              <a:latin typeface="Cambria Math" panose="02040503050406030204" pitchFamily="18" charset="0"/>
                               <a:cs typeface="DejaVu Math TeX Gyre" panose="02000503000000000000" charset="0"/>
                             </a:rPr>
                             <m:t>𝑡</m:t>
@@ -4685,7 +4857,7 @@
                         <m:sub>
                           <m:r>
                             <a:rPr lang="en-US" altLang="zh-CN" i="1">
-                              <a:latin typeface="DejaVu Math TeX Gyre" panose="02000503000000000000" charset="0"/>
+                              <a:latin typeface="Cambria Math" panose="02040503050406030204" pitchFamily="18" charset="0"/>
                               <a:cs typeface="DejaVu Math TeX Gyre" panose="02000503000000000000" charset="0"/>
                             </a:rPr>
                             <m:t>0</m:t>
@@ -4700,7 +4872,7 @@
             </p:txBody>
           </p:sp>
         </mc:Choice>
-        <mc:Fallback>
+        <mc:Fallback xmlns="">
           <p:sp>
             <p:nvSpPr>
               <p:cNvPr id="22" name="文本框 21"/>
@@ -4713,110 +4885,6 @@
               <a:xfrm>
                 <a:off x="-107950" y="8827135"/>
                 <a:ext cx="511175" cy="368935"/>
-              </a:xfrm>
-              <a:prstGeom prst="rect">
-                <a:avLst/>
-              </a:prstGeom>
-              <a:blipFill rotWithShape="1">
-                <a:blip r:embed="rId1"/>
-                <a:stretch>
-                  <a:fillRect/>
-                </a:stretch>
-              </a:blipFill>
-            </p:spPr>
-            <p:txBody>
-              <a:bodyPr/>
-              <a:lstStyle/>
-              <a:p>
-                <a:r>
-                  <a:rPr lang="zh-CN" altLang="en-US">
-                    <a:noFill/>
-                  </a:rPr>
-                  <a:t> </a:t>
-                </a:r>
-              </a:p>
-            </p:txBody>
-          </p:sp>
-        </mc:Fallback>
-      </mc:AlternateContent>
-      <mc:AlternateContent xmlns:mc="http://schemas.openxmlformats.org/markup-compatibility/2006">
-        <mc:Choice xmlns:a14="http://schemas.microsoft.com/office/drawing/2010/main" Requires="a14">
-          <p:sp>
-            <p:nvSpPr>
-              <p:cNvPr id="23" name="文本框 22"/>
-              <p:cNvSpPr txBox="1"/>
-              <p:nvPr/>
-            </p:nvSpPr>
-            <p:spPr>
-              <a:xfrm>
-                <a:off x="-71120" y="7179945"/>
-                <a:ext cx="478155" cy="368300"/>
-              </a:xfrm>
-              <a:prstGeom prst="rect">
-                <a:avLst/>
-              </a:prstGeom>
-              <a:noFill/>
-            </p:spPr>
-            <p:txBody>
-              <a:bodyPr wrap="square" rtlCol="0">
-                <a:spAutoFit/>
-              </a:bodyPr>
-              <a:p>
-                <a14:m>
-                  <m:oMathPara xmlns:m="http://schemas.openxmlformats.org/officeDocument/2006/math">
-                    <m:oMathParaPr>
-                      <m:jc m:val="centerGroup"/>
-                    </m:oMathParaPr>
-                    <m:oMath xmlns:m="http://schemas.openxmlformats.org/officeDocument/2006/math">
-                      <m:sSub>
-                        <m:sSubPr>
-                          <m:ctrlPr>
-                            <a:rPr lang="en-US" altLang="zh-CN" i="1">
-                              <a:latin typeface="DejaVu Math TeX Gyre" panose="02000503000000000000" charset="0"/>
-                              <a:cs typeface="DejaVu Math TeX Gyre" panose="02000503000000000000" charset="0"/>
-                            </a:rPr>
-                          </m:ctrlPr>
-                        </m:sSubPr>
-                        <m:e>
-                          <m:r>
-                            <a:rPr lang="en-US" altLang="zh-CN" i="1">
-                              <a:latin typeface="DejaVu Math TeX Gyre" panose="02000503000000000000" charset="0"/>
-                              <a:cs typeface="DejaVu Math TeX Gyre" panose="02000503000000000000" charset="0"/>
-                            </a:rPr>
-                            <m:t>𝑡</m:t>
-                          </m:r>
-                        </m:e>
-                        <m:sub>
-                          <m:r>
-                            <a:rPr lang="en-US" altLang="zh-CN" i="1">
-                              <a:latin typeface="DejaVu Math TeX Gyre" panose="02000503000000000000" charset="0"/>
-                              <a:cs typeface="DejaVu Math TeX Gyre" panose="02000503000000000000" charset="0"/>
-                            </a:rPr>
-                            <m:t>1</m:t>
-                          </m:r>
-                        </m:sub>
-                      </m:sSub>
-                    </m:oMath>
-                  </m:oMathPara>
-                </a14:m>
-                <a:endParaRPr lang="en-US" altLang="zh-CN"/>
-              </a:p>
-            </p:txBody>
-          </p:sp>
-        </mc:Choice>
-        <mc:Fallback>
-          <p:sp>
-            <p:nvSpPr>
-              <p:cNvPr id="23" name="文本框 22"/>
-              <p:cNvSpPr txBox="1">
-                <a:spLocks noRot="1" noChangeAspect="1" noMove="1" noResize="1" noEditPoints="1" noAdjustHandles="1" noChangeArrowheads="1" noChangeShapeType="1" noTextEdit="1"/>
-              </p:cNvSpPr>
-              <p:nvPr/>
-            </p:nvSpPr>
-            <p:spPr>
-              <a:xfrm>
-                <a:off x="-71120" y="7179945"/>
-                <a:ext cx="478155" cy="368300"/>
               </a:xfrm>
               <a:prstGeom prst="rect">
                 <a:avLst/>
@@ -4843,6 +4911,112 @@
           </p:sp>
         </mc:Fallback>
       </mc:AlternateContent>
+      <mc:AlternateContent xmlns:mc="http://schemas.openxmlformats.org/markup-compatibility/2006" xmlns:a14="http://schemas.microsoft.com/office/drawing/2010/main">
+        <mc:Choice Requires="a14">
+          <p:sp>
+            <p:nvSpPr>
+              <p:cNvPr id="23" name="文本框 22"/>
+              <p:cNvSpPr txBox="1"/>
+              <p:nvPr/>
+            </p:nvSpPr>
+            <p:spPr>
+              <a:xfrm>
+                <a:off x="-71120" y="7179945"/>
+                <a:ext cx="478155" cy="368300"/>
+              </a:xfrm>
+              <a:prstGeom prst="rect">
+                <a:avLst/>
+              </a:prstGeom>
+              <a:noFill/>
+            </p:spPr>
+            <p:txBody>
+              <a:bodyPr wrap="square" rtlCol="0">
+                <a:spAutoFit/>
+              </a:bodyPr>
+              <a:lstStyle/>
+              <a:p>
+                <a:pPr/>
+                <a14:m>
+                  <m:oMathPara xmlns:m="http://schemas.openxmlformats.org/officeDocument/2006/math">
+                    <m:oMathParaPr>
+                      <m:jc m:val="centerGroup"/>
+                    </m:oMathParaPr>
+                    <m:oMath xmlns:m="http://schemas.openxmlformats.org/officeDocument/2006/math">
+                      <m:sSub>
+                        <m:sSubPr>
+                          <m:ctrlPr>
+                            <a:rPr lang="en-US" altLang="zh-CN" i="1">
+                              <a:latin typeface="Cambria Math" panose="02040503050406030204" pitchFamily="18" charset="0"/>
+                              <a:cs typeface="DejaVu Math TeX Gyre" panose="02000503000000000000" charset="0"/>
+                            </a:rPr>
+                          </m:ctrlPr>
+                        </m:sSubPr>
+                        <m:e>
+                          <m:r>
+                            <a:rPr lang="en-US" altLang="zh-CN" i="1">
+                              <a:latin typeface="Cambria Math" panose="02040503050406030204" pitchFamily="18" charset="0"/>
+                              <a:cs typeface="DejaVu Math TeX Gyre" panose="02000503000000000000" charset="0"/>
+                            </a:rPr>
+                            <m:t>𝑡</m:t>
+                          </m:r>
+                        </m:e>
+                        <m:sub>
+                          <m:r>
+                            <a:rPr lang="en-US" altLang="zh-CN" i="1">
+                              <a:latin typeface="Cambria Math" panose="02040503050406030204" pitchFamily="18" charset="0"/>
+                              <a:cs typeface="DejaVu Math TeX Gyre" panose="02000503000000000000" charset="0"/>
+                            </a:rPr>
+                            <m:t>1</m:t>
+                          </m:r>
+                        </m:sub>
+                      </m:sSub>
+                    </m:oMath>
+                  </m:oMathPara>
+                </a14:m>
+                <a:endParaRPr lang="en-US" altLang="zh-CN"/>
+              </a:p>
+            </p:txBody>
+          </p:sp>
+        </mc:Choice>
+        <mc:Fallback xmlns="">
+          <p:sp>
+            <p:nvSpPr>
+              <p:cNvPr id="23" name="文本框 22"/>
+              <p:cNvSpPr txBox="1">
+                <a:spLocks noRot="1" noChangeAspect="1" noMove="1" noResize="1" noEditPoints="1" noAdjustHandles="1" noChangeArrowheads="1" noChangeShapeType="1" noTextEdit="1"/>
+              </p:cNvSpPr>
+              <p:nvPr/>
+            </p:nvSpPr>
+            <p:spPr>
+              <a:xfrm>
+                <a:off x="-71120" y="7179945"/>
+                <a:ext cx="478155" cy="368300"/>
+              </a:xfrm>
+              <a:prstGeom prst="rect">
+                <a:avLst/>
+              </a:prstGeom>
+              <a:blipFill rotWithShape="1">
+                <a:blip r:embed="rId3"/>
+                <a:stretch>
+                  <a:fillRect/>
+                </a:stretch>
+              </a:blipFill>
+            </p:spPr>
+            <p:txBody>
+              <a:bodyPr/>
+              <a:lstStyle/>
+              <a:p>
+                <a:r>
+                  <a:rPr lang="zh-CN" altLang="en-US">
+                    <a:noFill/>
+                  </a:rPr>
+                  <a:t> </a:t>
+                </a:r>
+              </a:p>
+            </p:txBody>
+          </p:sp>
+        </mc:Fallback>
+      </mc:AlternateContent>
       <p:sp>
         <p:nvSpPr>
           <p:cNvPr id="25" name="平行四边形 24"/>
@@ -4886,6 +5060,7 @@
         </p:style>
         <p:txBody>
           <a:bodyPr rtlCol="0" anchor="ctr"/>
+          <a:lstStyle/>
           <a:p>
             <a:pPr algn="ctr"/>
             <a:endParaRPr lang="zh-CN" altLang="en-US"/>
@@ -5005,6 +5180,7 @@
         </p:style>
         <p:txBody>
           <a:bodyPr rtlCol="0" anchor="ctr"/>
+          <a:lstStyle/>
           <a:p>
             <a:pPr algn="ctr"/>
             <a:endParaRPr lang="zh-CN" altLang="en-US"/>
@@ -5122,6 +5298,7 @@
         </p:style>
         <p:txBody>
           <a:bodyPr rtlCol="0" anchor="ctr"/>
+          <a:lstStyle/>
           <a:p>
             <a:pPr algn="ctr"/>
             <a:endParaRPr lang="zh-CN" altLang="en-US"/>
@@ -5239,6 +5416,7 @@
         </p:style>
         <p:txBody>
           <a:bodyPr rtlCol="0" anchor="ctr"/>
+          <a:lstStyle/>
           <a:p>
             <a:pPr algn="ctr"/>
             <a:endParaRPr lang="zh-CN" altLang="en-US"/>
@@ -5358,6 +5536,7 @@
         </p:style>
         <p:txBody>
           <a:bodyPr rtlCol="0" anchor="ctr"/>
+          <a:lstStyle/>
           <a:p>
             <a:pPr algn="ctr"/>
             <a:endParaRPr lang="zh-CN" altLang="en-US"/>
@@ -5513,6 +5692,7 @@
         </p:style>
         <p:txBody>
           <a:bodyPr rtlCol="0" anchor="ctr"/>
+          <a:lstStyle/>
           <a:p>
             <a:pPr algn="ctr"/>
             <a:endParaRPr lang="zh-CN" altLang="en-US"/>
@@ -5632,6 +5812,7 @@
         </p:style>
         <p:txBody>
           <a:bodyPr rtlCol="0" anchor="ctr"/>
+          <a:lstStyle/>
           <a:p>
             <a:pPr algn="ctr"/>
             <a:endParaRPr lang="zh-CN" altLang="en-US"/>
@@ -5646,7 +5827,7 @@
 </p:sld>
 </file>
 
-<file path=ppt/slides/slide4.xml><?xml version="1.0" encoding="utf-8"?>
+<file path=ppt/slides/slide6.xml><?xml version="1.0" encoding="utf-8"?>
 <p:sld xmlns:a="http://schemas.openxmlformats.org/drawingml/2006/main" xmlns:r="http://schemas.openxmlformats.org/officeDocument/2006/relationships" xmlns:p="http://schemas.openxmlformats.org/presentationml/2006/main">
   <p:cSld>
     <p:spTree>
@@ -5655,7 +5836,14 @@
         <p:cNvGrpSpPr/>
         <p:nvPr/>
       </p:nvGrpSpPr>
-      <p:grpSpPr/>
+      <p:grpSpPr>
+        <a:xfrm>
+          <a:off x="0" y="0"/>
+          <a:ext cx="0" cy="0"/>
+          <a:chOff x="0" y="0"/>
+          <a:chExt cx="0" cy="0"/>
+        </a:xfrm>
+      </p:grpSpPr>
     </p:spTree>
   </p:cSld>
   <p:clrMapOvr>
@@ -5915,6 +6103,8 @@
       </a:bgFillStyleLst>
     </a:fmtScheme>
   </a:themeElements>
+  <a:objectDefaults/>
+  <a:extraClrSchemeLst/>
   <a:extLst>
     <a:ext uri="{05A4C25C-085E-4340-85A3-A5531E510DB2}">
       <thm15:themeFamily xmlns:thm15="http://schemas.microsoft.com/office/thememl/2012/main" name="Office Theme" id="{62F939B6-93AF-4DB8-9C6B-D6C7DFDC589F}" vid="{4A3C46E8-61CC-4603-A589-7422A47A8E4A}"/>
@@ -6174,6 +6364,8 @@
       </a:bgFillStyleLst>
     </a:fmtScheme>
   </a:themeElements>
+  <a:objectDefaults/>
+  <a:extraClrSchemeLst/>
   <a:extLst>
     <a:ext uri="{05A4C25C-085E-4340-85A3-A5531E510DB2}">
       <thm15:themeFamily xmlns:thm15="http://schemas.microsoft.com/office/thememl/2012/main" name="Office Theme" id="{62F939B6-93AF-4DB8-9C6B-D6C7DFDC589F}" vid="{4A3C46E8-61CC-4603-A589-7422A47A8E4A}"/>
@@ -6433,6 +6625,8 @@
       </a:bgFillStyleLst>
     </a:fmtScheme>
   </a:themeElements>
+  <a:objectDefaults/>
+  <a:extraClrSchemeLst/>
   <a:extLst>
     <a:ext uri="{05A4C25C-085E-4340-85A3-A5531E510DB2}">
       <thm15:themeFamily xmlns:thm15="http://schemas.microsoft.com/office/thememl/2012/main" name="Office Theme" id="{62F939B6-93AF-4DB8-9C6B-D6C7DFDC589F}" vid="{4A3C46E8-61CC-4603-A589-7422A47A8E4A}"/>
